--- a/doc/Beaconless-overview.pptx
+++ b/doc/Beaconless-overview.pptx
@@ -4,6 +4,9 @@
   <p:sldMasterIdLst>
     <p:sldMasterId id="2147483648" r:id="rId1"/>
   </p:sldMasterIdLst>
+  <p:notesMasterIdLst>
+    <p:notesMasterId r:id="rId19"/>
+  </p:notesMasterIdLst>
   <p:sldIdLst>
     <p:sldId id="256" r:id="rId2"/>
     <p:sldId id="257" r:id="rId3"/>
@@ -17,10 +20,11 @@
     <p:sldId id="267" r:id="rId11"/>
     <p:sldId id="265" r:id="rId12"/>
     <p:sldId id="266" r:id="rId13"/>
-    <p:sldId id="268" r:id="rId14"/>
-    <p:sldId id="269" r:id="rId15"/>
-    <p:sldId id="270" r:id="rId16"/>
-    <p:sldId id="271" r:id="rId17"/>
+    <p:sldId id="272" r:id="rId14"/>
+    <p:sldId id="268" r:id="rId15"/>
+    <p:sldId id="269" r:id="rId16"/>
+    <p:sldId id="270" r:id="rId17"/>
+    <p:sldId id="271" r:id="rId18"/>
   </p:sldIdLst>
   <p:sldSz cx="12192000" cy="6858000"/>
   <p:notesSz cx="6858000" cy="9144000"/>
@@ -119,11 +123,449 @@
       </a:defRPr>
     </a:lvl9pPr>
   </p:defaultTextStyle>
+  <p:extLst>
+    <p:ext uri="{EFAFB233-063F-42B5-8137-9DF3F51BA10A}">
+      <p15:sldGuideLst xmlns:p15="http://schemas.microsoft.com/office/powerpoint/2012/main"/>
+    </p:ext>
+  </p:extLst>
 </p:presentation>
 </file>
 
 <file path=ppt/revisionInfo.xml><?xml version="1.0" encoding="utf-8"?>
 <p1510:revInfo xmlns:a="http://schemas.openxmlformats.org/drawingml/2006/main" xmlns:r="http://schemas.openxmlformats.org/officeDocument/2006/relationships" xmlns:p1510="http://schemas.microsoft.com/office/powerpoint/2015/10/main"/>
+</file>
+
+<file path=ppt/notesMasters/notesMaster1.xml><?xml version="1.0" encoding="utf-8"?>
+<p:notesMaster xmlns:a="http://schemas.openxmlformats.org/drawingml/2006/main" xmlns:r="http://schemas.openxmlformats.org/officeDocument/2006/relationships" xmlns:p="http://schemas.openxmlformats.org/presentationml/2006/main">
+  <p:cSld>
+    <p:bg>
+      <p:bgRef idx="1001">
+        <a:schemeClr val="bg1"/>
+      </p:bgRef>
+    </p:bg>
+    <p:spTree>
+      <p:nvGrpSpPr>
+        <p:cNvPr id="1" name=""/>
+        <p:cNvGrpSpPr/>
+        <p:nvPr/>
+      </p:nvGrpSpPr>
+      <p:grpSpPr>
+        <a:xfrm>
+          <a:off x="0" y="0"/>
+          <a:ext cx="0" cy="0"/>
+          <a:chOff x="0" y="0"/>
+          <a:chExt cx="0" cy="0"/>
+        </a:xfrm>
+      </p:grpSpPr>
+      <p:sp>
+        <p:nvSpPr>
+          <p:cNvPr id="2" name="Header Placeholder 1"/>
+          <p:cNvSpPr>
+            <a:spLocks noGrp="1"/>
+          </p:cNvSpPr>
+          <p:nvPr>
+            <p:ph type="hdr" sz="quarter"/>
+          </p:nvPr>
+        </p:nvSpPr>
+        <p:spPr>
+          <a:xfrm>
+            <a:off x="0" y="0"/>
+            <a:ext cx="2971800" cy="458788"/>
+          </a:xfrm>
+          <a:prstGeom prst="rect">
+            <a:avLst/>
+          </a:prstGeom>
+        </p:spPr>
+        <p:txBody>
+          <a:bodyPr vert="horz" lIns="91440" tIns="45720" rIns="91440" bIns="45720" rtlCol="0"/>
+          <a:lstStyle>
+            <a:lvl1pPr algn="l">
+              <a:defRPr sz="1200"/>
+            </a:lvl1pPr>
+          </a:lstStyle>
+          <a:p>
+            <a:endParaRPr lang="en-US"/>
+          </a:p>
+        </p:txBody>
+      </p:sp>
+      <p:sp>
+        <p:nvSpPr>
+          <p:cNvPr id="3" name="Date Placeholder 2"/>
+          <p:cNvSpPr>
+            <a:spLocks noGrp="1"/>
+          </p:cNvSpPr>
+          <p:nvPr>
+            <p:ph type="dt" idx="1"/>
+          </p:nvPr>
+        </p:nvSpPr>
+        <p:spPr>
+          <a:xfrm>
+            <a:off x="3884613" y="0"/>
+            <a:ext cx="2971800" cy="458788"/>
+          </a:xfrm>
+          <a:prstGeom prst="rect">
+            <a:avLst/>
+          </a:prstGeom>
+        </p:spPr>
+        <p:txBody>
+          <a:bodyPr vert="horz" lIns="91440" tIns="45720" rIns="91440" bIns="45720" rtlCol="0"/>
+          <a:lstStyle>
+            <a:lvl1pPr algn="r">
+              <a:defRPr sz="1200"/>
+            </a:lvl1pPr>
+          </a:lstStyle>
+          <a:p>
+            <a:fld id="{E8ED7314-CAD8-46CC-BB9C-F623EBEE93A4}" type="datetimeFigureOut">
+              <a:rPr lang="en-US" smtClean="0"/>
+              <a:t>1/27/2018</a:t>
+            </a:fld>
+            <a:endParaRPr lang="en-US"/>
+          </a:p>
+        </p:txBody>
+      </p:sp>
+      <p:sp>
+        <p:nvSpPr>
+          <p:cNvPr id="4" name="Slide Image Placeholder 3"/>
+          <p:cNvSpPr>
+            <a:spLocks noGrp="1" noRot="1" noChangeAspect="1"/>
+          </p:cNvSpPr>
+          <p:nvPr>
+            <p:ph type="sldImg" idx="2"/>
+          </p:nvPr>
+        </p:nvSpPr>
+        <p:spPr>
+          <a:xfrm>
+            <a:off x="685800" y="1143000"/>
+            <a:ext cx="5486400" cy="3086100"/>
+          </a:xfrm>
+          <a:prstGeom prst="rect">
+            <a:avLst/>
+          </a:prstGeom>
+          <a:noFill/>
+          <a:ln w="12700">
+            <a:solidFill>
+              <a:prstClr val="black"/>
+            </a:solidFill>
+          </a:ln>
+        </p:spPr>
+        <p:txBody>
+          <a:bodyPr vert="horz" lIns="91440" tIns="45720" rIns="91440" bIns="45720" rtlCol="0" anchor="ctr"/>
+          <a:lstStyle/>
+          <a:p>
+            <a:endParaRPr lang="en-US"/>
+          </a:p>
+        </p:txBody>
+      </p:sp>
+      <p:sp>
+        <p:nvSpPr>
+          <p:cNvPr id="5" name="Notes Placeholder 4"/>
+          <p:cNvSpPr>
+            <a:spLocks noGrp="1"/>
+          </p:cNvSpPr>
+          <p:nvPr>
+            <p:ph type="body" sz="quarter" idx="3"/>
+          </p:nvPr>
+        </p:nvSpPr>
+        <p:spPr>
+          <a:xfrm>
+            <a:off x="685800" y="4400550"/>
+            <a:ext cx="5486400" cy="3600450"/>
+          </a:xfrm>
+          <a:prstGeom prst="rect">
+            <a:avLst/>
+          </a:prstGeom>
+        </p:spPr>
+        <p:txBody>
+          <a:bodyPr vert="horz" lIns="91440" tIns="45720" rIns="91440" bIns="45720" rtlCol="0"/>
+          <a:lstStyle/>
+          <a:p>
+            <a:pPr lvl="0"/>
+            <a:r>
+              <a:rPr lang="en-US"/>
+              <a:t>Edit Master text styles</a:t>
+            </a:r>
+          </a:p>
+          <a:p>
+            <a:pPr lvl="1"/>
+            <a:r>
+              <a:rPr lang="en-US"/>
+              <a:t>Second level</a:t>
+            </a:r>
+          </a:p>
+          <a:p>
+            <a:pPr lvl="2"/>
+            <a:r>
+              <a:rPr lang="en-US"/>
+              <a:t>Third level</a:t>
+            </a:r>
+          </a:p>
+          <a:p>
+            <a:pPr lvl="3"/>
+            <a:r>
+              <a:rPr lang="en-US"/>
+              <a:t>Fourth level</a:t>
+            </a:r>
+          </a:p>
+          <a:p>
+            <a:pPr lvl="4"/>
+            <a:r>
+              <a:rPr lang="en-US"/>
+              <a:t>Fifth level</a:t>
+            </a:r>
+          </a:p>
+        </p:txBody>
+      </p:sp>
+      <p:sp>
+        <p:nvSpPr>
+          <p:cNvPr id="6" name="Footer Placeholder 5"/>
+          <p:cNvSpPr>
+            <a:spLocks noGrp="1"/>
+          </p:cNvSpPr>
+          <p:nvPr>
+            <p:ph type="ftr" sz="quarter" idx="4"/>
+          </p:nvPr>
+        </p:nvSpPr>
+        <p:spPr>
+          <a:xfrm>
+            <a:off x="0" y="8685213"/>
+            <a:ext cx="2971800" cy="458787"/>
+          </a:xfrm>
+          <a:prstGeom prst="rect">
+            <a:avLst/>
+          </a:prstGeom>
+        </p:spPr>
+        <p:txBody>
+          <a:bodyPr vert="horz" lIns="91440" tIns="45720" rIns="91440" bIns="45720" rtlCol="0" anchor="b"/>
+          <a:lstStyle>
+            <a:lvl1pPr algn="l">
+              <a:defRPr sz="1200"/>
+            </a:lvl1pPr>
+          </a:lstStyle>
+          <a:p>
+            <a:endParaRPr lang="en-US"/>
+          </a:p>
+        </p:txBody>
+      </p:sp>
+      <p:sp>
+        <p:nvSpPr>
+          <p:cNvPr id="7" name="Slide Number Placeholder 6"/>
+          <p:cNvSpPr>
+            <a:spLocks noGrp="1"/>
+          </p:cNvSpPr>
+          <p:nvPr>
+            <p:ph type="sldNum" sz="quarter" idx="5"/>
+          </p:nvPr>
+        </p:nvSpPr>
+        <p:spPr>
+          <a:xfrm>
+            <a:off x="3884613" y="8685213"/>
+            <a:ext cx="2971800" cy="458787"/>
+          </a:xfrm>
+          <a:prstGeom prst="rect">
+            <a:avLst/>
+          </a:prstGeom>
+        </p:spPr>
+        <p:txBody>
+          <a:bodyPr vert="horz" lIns="91440" tIns="45720" rIns="91440" bIns="45720" rtlCol="0" anchor="b"/>
+          <a:lstStyle>
+            <a:lvl1pPr algn="r">
+              <a:defRPr sz="1200"/>
+            </a:lvl1pPr>
+          </a:lstStyle>
+          <a:p>
+            <a:fld id="{4A0D8532-03AD-48D0-B882-0627B5C334CD}" type="slidenum">
+              <a:rPr lang="en-US" smtClean="0"/>
+              <a:t>‹#›</a:t>
+            </a:fld>
+            <a:endParaRPr lang="en-US"/>
+          </a:p>
+        </p:txBody>
+      </p:sp>
+    </p:spTree>
+    <p:extLst>
+      <p:ext uri="{BB962C8B-B14F-4D97-AF65-F5344CB8AC3E}">
+        <p14:creationId xmlns:p14="http://schemas.microsoft.com/office/powerpoint/2010/main" val="1787299209"/>
+      </p:ext>
+    </p:extLst>
+  </p:cSld>
+  <p:clrMap bg1="lt1" tx1="dk1" bg2="lt2" tx2="dk2" accent1="accent1" accent2="accent2" accent3="accent3" accent4="accent4" accent5="accent5" accent6="accent6" hlink="hlink" folHlink="folHlink"/>
+  <p:notesStyle>
+    <a:lvl1pPr marL="0" algn="l" defTabSz="914400" rtl="0" eaLnBrk="1" latinLnBrk="0" hangingPunct="1">
+      <a:defRPr sz="1200" kern="1200">
+        <a:solidFill>
+          <a:schemeClr val="tx1"/>
+        </a:solidFill>
+        <a:latin typeface="+mn-lt"/>
+        <a:ea typeface="+mn-ea"/>
+        <a:cs typeface="+mn-cs"/>
+      </a:defRPr>
+    </a:lvl1pPr>
+    <a:lvl2pPr marL="457200" algn="l" defTabSz="914400" rtl="0" eaLnBrk="1" latinLnBrk="0" hangingPunct="1">
+      <a:defRPr sz="1200" kern="1200">
+        <a:solidFill>
+          <a:schemeClr val="tx1"/>
+        </a:solidFill>
+        <a:latin typeface="+mn-lt"/>
+        <a:ea typeface="+mn-ea"/>
+        <a:cs typeface="+mn-cs"/>
+      </a:defRPr>
+    </a:lvl2pPr>
+    <a:lvl3pPr marL="914400" algn="l" defTabSz="914400" rtl="0" eaLnBrk="1" latinLnBrk="0" hangingPunct="1">
+      <a:defRPr sz="1200" kern="1200">
+        <a:solidFill>
+          <a:schemeClr val="tx1"/>
+        </a:solidFill>
+        <a:latin typeface="+mn-lt"/>
+        <a:ea typeface="+mn-ea"/>
+        <a:cs typeface="+mn-cs"/>
+      </a:defRPr>
+    </a:lvl3pPr>
+    <a:lvl4pPr marL="1371600" algn="l" defTabSz="914400" rtl="0" eaLnBrk="1" latinLnBrk="0" hangingPunct="1">
+      <a:defRPr sz="1200" kern="1200">
+        <a:solidFill>
+          <a:schemeClr val="tx1"/>
+        </a:solidFill>
+        <a:latin typeface="+mn-lt"/>
+        <a:ea typeface="+mn-ea"/>
+        <a:cs typeface="+mn-cs"/>
+      </a:defRPr>
+    </a:lvl4pPr>
+    <a:lvl5pPr marL="1828800" algn="l" defTabSz="914400" rtl="0" eaLnBrk="1" latinLnBrk="0" hangingPunct="1">
+      <a:defRPr sz="1200" kern="1200">
+        <a:solidFill>
+          <a:schemeClr val="tx1"/>
+        </a:solidFill>
+        <a:latin typeface="+mn-lt"/>
+        <a:ea typeface="+mn-ea"/>
+        <a:cs typeface="+mn-cs"/>
+      </a:defRPr>
+    </a:lvl5pPr>
+    <a:lvl6pPr marL="2286000" algn="l" defTabSz="914400" rtl="0" eaLnBrk="1" latinLnBrk="0" hangingPunct="1">
+      <a:defRPr sz="1200" kern="1200">
+        <a:solidFill>
+          <a:schemeClr val="tx1"/>
+        </a:solidFill>
+        <a:latin typeface="+mn-lt"/>
+        <a:ea typeface="+mn-ea"/>
+        <a:cs typeface="+mn-cs"/>
+      </a:defRPr>
+    </a:lvl6pPr>
+    <a:lvl7pPr marL="2743200" algn="l" defTabSz="914400" rtl="0" eaLnBrk="1" latinLnBrk="0" hangingPunct="1">
+      <a:defRPr sz="1200" kern="1200">
+        <a:solidFill>
+          <a:schemeClr val="tx1"/>
+        </a:solidFill>
+        <a:latin typeface="+mn-lt"/>
+        <a:ea typeface="+mn-ea"/>
+        <a:cs typeface="+mn-cs"/>
+      </a:defRPr>
+    </a:lvl7pPr>
+    <a:lvl8pPr marL="3200400" algn="l" defTabSz="914400" rtl="0" eaLnBrk="1" latinLnBrk="0" hangingPunct="1">
+      <a:defRPr sz="1200" kern="1200">
+        <a:solidFill>
+          <a:schemeClr val="tx1"/>
+        </a:solidFill>
+        <a:latin typeface="+mn-lt"/>
+        <a:ea typeface="+mn-ea"/>
+        <a:cs typeface="+mn-cs"/>
+      </a:defRPr>
+    </a:lvl8pPr>
+    <a:lvl9pPr marL="3657600" algn="l" defTabSz="914400" rtl="0" eaLnBrk="1" latinLnBrk="0" hangingPunct="1">
+      <a:defRPr sz="1200" kern="1200">
+        <a:solidFill>
+          <a:schemeClr val="tx1"/>
+        </a:solidFill>
+        <a:latin typeface="+mn-lt"/>
+        <a:ea typeface="+mn-ea"/>
+        <a:cs typeface="+mn-cs"/>
+      </a:defRPr>
+    </a:lvl9pPr>
+  </p:notesStyle>
+</p:notesMaster>
+</file>
+
+<file path=ppt/notesSlides/notesSlide1.xml><?xml version="1.0" encoding="utf-8"?>
+<p:notes xmlns:a="http://schemas.openxmlformats.org/drawingml/2006/main" xmlns:r="http://schemas.openxmlformats.org/officeDocument/2006/relationships" xmlns:p="http://schemas.openxmlformats.org/presentationml/2006/main">
+  <p:cSld>
+    <p:spTree>
+      <p:nvGrpSpPr>
+        <p:cNvPr id="1" name=""/>
+        <p:cNvGrpSpPr/>
+        <p:nvPr/>
+      </p:nvGrpSpPr>
+      <p:grpSpPr>
+        <a:xfrm>
+          <a:off x="0" y="0"/>
+          <a:ext cx="0" cy="0"/>
+          <a:chOff x="0" y="0"/>
+          <a:chExt cx="0" cy="0"/>
+        </a:xfrm>
+      </p:grpSpPr>
+      <p:sp>
+        <p:nvSpPr>
+          <p:cNvPr id="2" name="Slide Image Placeholder 1"/>
+          <p:cNvSpPr>
+            <a:spLocks noGrp="1" noRot="1" noChangeAspect="1"/>
+          </p:cNvSpPr>
+          <p:nvPr>
+            <p:ph type="sldImg"/>
+          </p:nvPr>
+        </p:nvSpPr>
+        <p:spPr/>
+      </p:sp>
+      <p:sp>
+        <p:nvSpPr>
+          <p:cNvPr id="3" name="Notes Placeholder 2"/>
+          <p:cNvSpPr>
+            <a:spLocks noGrp="1"/>
+          </p:cNvSpPr>
+          <p:nvPr>
+            <p:ph type="body" idx="1"/>
+          </p:nvPr>
+        </p:nvSpPr>
+        <p:spPr/>
+        <p:txBody>
+          <a:bodyPr/>
+          <a:lstStyle/>
+          <a:p>
+            <a:endParaRPr lang="en-US" dirty="0"/>
+          </a:p>
+        </p:txBody>
+      </p:sp>
+      <p:sp>
+        <p:nvSpPr>
+          <p:cNvPr id="4" name="Slide Number Placeholder 3"/>
+          <p:cNvSpPr>
+            <a:spLocks noGrp="1"/>
+          </p:cNvSpPr>
+          <p:nvPr>
+            <p:ph type="sldNum" sz="quarter" idx="10"/>
+          </p:nvPr>
+        </p:nvSpPr>
+        <p:spPr/>
+        <p:txBody>
+          <a:bodyPr/>
+          <a:lstStyle/>
+          <a:p>
+            <a:fld id="{4A0D8532-03AD-48D0-B882-0627B5C334CD}" type="slidenum">
+              <a:rPr lang="en-US" smtClean="0"/>
+              <a:t>12</a:t>
+            </a:fld>
+            <a:endParaRPr lang="en-US"/>
+          </a:p>
+        </p:txBody>
+      </p:sp>
+    </p:spTree>
+    <p:extLst>
+      <p:ext uri="{BB962C8B-B14F-4D97-AF65-F5344CB8AC3E}">
+        <p14:creationId xmlns:p14="http://schemas.microsoft.com/office/powerpoint/2010/main" val="1384059745"/>
+      </p:ext>
+    </p:extLst>
+  </p:cSld>
+  <p:clrMapOvr>
+    <a:masterClrMapping/>
+  </p:clrMapOvr>
+</p:notes>
 </file>
 
 <file path=ppt/slideLayouts/slideLayout1.xml><?xml version="1.0" encoding="utf-8"?>
@@ -273,7 +715,7 @@
           <a:p>
             <a:fld id="{11EE2354-98CC-4FD7-99AE-9E72766A4C48}" type="datetimeFigureOut">
               <a:rPr lang="en-US" smtClean="0"/>
-              <a:t>1/20/2018</a:t>
+              <a:t>1/27/2018</a:t>
             </a:fld>
             <a:endParaRPr lang="en-US"/>
           </a:p>
@@ -471,7 +913,7 @@
           <a:p>
             <a:fld id="{11EE2354-98CC-4FD7-99AE-9E72766A4C48}" type="datetimeFigureOut">
               <a:rPr lang="en-US" smtClean="0"/>
-              <a:t>1/20/2018</a:t>
+              <a:t>1/27/2018</a:t>
             </a:fld>
             <a:endParaRPr lang="en-US"/>
           </a:p>
@@ -679,7 +1121,7 @@
           <a:p>
             <a:fld id="{11EE2354-98CC-4FD7-99AE-9E72766A4C48}" type="datetimeFigureOut">
               <a:rPr lang="en-US" smtClean="0"/>
-              <a:t>1/20/2018</a:t>
+              <a:t>1/27/2018</a:t>
             </a:fld>
             <a:endParaRPr lang="en-US"/>
           </a:p>
@@ -877,7 +1319,7 @@
           <a:p>
             <a:fld id="{11EE2354-98CC-4FD7-99AE-9E72766A4C48}" type="datetimeFigureOut">
               <a:rPr lang="en-US" smtClean="0"/>
-              <a:t>1/20/2018</a:t>
+              <a:t>1/27/2018</a:t>
             </a:fld>
             <a:endParaRPr lang="en-US"/>
           </a:p>
@@ -1152,7 +1594,7 @@
           <a:p>
             <a:fld id="{11EE2354-98CC-4FD7-99AE-9E72766A4C48}" type="datetimeFigureOut">
               <a:rPr lang="en-US" smtClean="0"/>
-              <a:t>1/20/2018</a:t>
+              <a:t>1/27/2018</a:t>
             </a:fld>
             <a:endParaRPr lang="en-US"/>
           </a:p>
@@ -1417,7 +1859,7 @@
           <a:p>
             <a:fld id="{11EE2354-98CC-4FD7-99AE-9E72766A4C48}" type="datetimeFigureOut">
               <a:rPr lang="en-US" smtClean="0"/>
-              <a:t>1/20/2018</a:t>
+              <a:t>1/27/2018</a:t>
             </a:fld>
             <a:endParaRPr lang="en-US"/>
           </a:p>
@@ -1829,7 +2271,7 @@
           <a:p>
             <a:fld id="{11EE2354-98CC-4FD7-99AE-9E72766A4C48}" type="datetimeFigureOut">
               <a:rPr lang="en-US" smtClean="0"/>
-              <a:t>1/20/2018</a:t>
+              <a:t>1/27/2018</a:t>
             </a:fld>
             <a:endParaRPr lang="en-US"/>
           </a:p>
@@ -1970,7 +2412,7 @@
           <a:p>
             <a:fld id="{11EE2354-98CC-4FD7-99AE-9E72766A4C48}" type="datetimeFigureOut">
               <a:rPr lang="en-US" smtClean="0"/>
-              <a:t>1/20/2018</a:t>
+              <a:t>1/27/2018</a:t>
             </a:fld>
             <a:endParaRPr lang="en-US"/>
           </a:p>
@@ -2083,7 +2525,7 @@
           <a:p>
             <a:fld id="{11EE2354-98CC-4FD7-99AE-9E72766A4C48}" type="datetimeFigureOut">
               <a:rPr lang="en-US" smtClean="0"/>
-              <a:t>1/20/2018</a:t>
+              <a:t>1/27/2018</a:t>
             </a:fld>
             <a:endParaRPr lang="en-US"/>
           </a:p>
@@ -2394,7 +2836,7 @@
           <a:p>
             <a:fld id="{11EE2354-98CC-4FD7-99AE-9E72766A4C48}" type="datetimeFigureOut">
               <a:rPr lang="en-US" smtClean="0"/>
-              <a:t>1/20/2018</a:t>
+              <a:t>1/27/2018</a:t>
             </a:fld>
             <a:endParaRPr lang="en-US"/>
           </a:p>
@@ -2682,7 +3124,7 @@
           <a:p>
             <a:fld id="{11EE2354-98CC-4FD7-99AE-9E72766A4C48}" type="datetimeFigureOut">
               <a:rPr lang="en-US" smtClean="0"/>
-              <a:t>1/20/2018</a:t>
+              <a:t>1/27/2018</a:t>
             </a:fld>
             <a:endParaRPr lang="en-US"/>
           </a:p>
@@ -2923,7 +3365,7 @@
           <a:p>
             <a:fld id="{11EE2354-98CC-4FD7-99AE-9E72766A4C48}" type="datetimeFigureOut">
               <a:rPr lang="en-US" smtClean="0"/>
-              <a:t>1/20/2018</a:t>
+              <a:t>1/27/2018</a:t>
             </a:fld>
             <a:endParaRPr lang="en-US"/>
           </a:p>
@@ -4501,6 +4943,20 @@
             <a:pPr lvl="1"/>
             <a:r>
               <a:rPr lang="en-US" dirty="0"/>
+              <a:t>Basic mode</a:t>
+            </a:r>
+          </a:p>
+          <a:p>
+            <a:pPr lvl="2"/>
+            <a:r>
+              <a:rPr lang="en-US" dirty="0"/>
+              <a:t>Contention-based – like greedy</a:t>
+            </a:r>
+          </a:p>
+          <a:p>
+            <a:pPr lvl="1"/>
+            <a:r>
+              <a:rPr lang="en-US" dirty="0"/>
               <a:t>Beaconless recovery</a:t>
             </a:r>
           </a:p>
@@ -4524,6 +4980,596 @@
           </a:p>
         </p:txBody>
       </p:sp>
+      <p:sp>
+        <p:nvSpPr>
+          <p:cNvPr id="4" name="Oval 3">
+            <a:extLst>
+              <a:ext uri="{FF2B5EF4-FFF2-40B4-BE49-F238E27FC236}">
+                <a16:creationId xmlns:a16="http://schemas.microsoft.com/office/drawing/2014/main" id="{821F6396-B11A-4979-AEBE-786F9C766CF9}"/>
+              </a:ext>
+            </a:extLst>
+          </p:cNvPr>
+          <p:cNvSpPr/>
+          <p:nvPr/>
+        </p:nvSpPr>
+        <p:spPr>
+          <a:xfrm>
+            <a:off x="8264691" y="4040606"/>
+            <a:ext cx="372979" cy="385011"/>
+          </a:xfrm>
+          <a:prstGeom prst="ellipse">
+            <a:avLst/>
+          </a:prstGeom>
+        </p:spPr>
+        <p:style>
+          <a:lnRef idx="1">
+            <a:schemeClr val="accent1"/>
+          </a:lnRef>
+          <a:fillRef idx="2">
+            <a:schemeClr val="accent1"/>
+          </a:fillRef>
+          <a:effectRef idx="1">
+            <a:schemeClr val="accent1"/>
+          </a:effectRef>
+          <a:fontRef idx="minor">
+            <a:schemeClr val="dk1"/>
+          </a:fontRef>
+        </p:style>
+        <p:txBody>
+          <a:bodyPr rtlCol="0" anchor="ctr"/>
+          <a:lstStyle/>
+          <a:p>
+            <a:pPr algn="ctr"/>
+            <a:endParaRPr lang="en-US"/>
+          </a:p>
+        </p:txBody>
+      </p:sp>
+      <p:sp>
+        <p:nvSpPr>
+          <p:cNvPr id="5" name="Oval 4">
+            <a:extLst>
+              <a:ext uri="{FF2B5EF4-FFF2-40B4-BE49-F238E27FC236}">
+                <a16:creationId xmlns:a16="http://schemas.microsoft.com/office/drawing/2014/main" id="{FC021351-4C4E-4426-AC35-D81A811FBDF9}"/>
+              </a:ext>
+            </a:extLst>
+          </p:cNvPr>
+          <p:cNvSpPr/>
+          <p:nvPr/>
+        </p:nvSpPr>
+        <p:spPr>
+          <a:xfrm>
+            <a:off x="7792452" y="5031958"/>
+            <a:ext cx="372979" cy="385011"/>
+          </a:xfrm>
+          <a:prstGeom prst="ellipse">
+            <a:avLst/>
+          </a:prstGeom>
+        </p:spPr>
+        <p:style>
+          <a:lnRef idx="1">
+            <a:schemeClr val="accent1"/>
+          </a:lnRef>
+          <a:fillRef idx="2">
+            <a:schemeClr val="accent1"/>
+          </a:fillRef>
+          <a:effectRef idx="1">
+            <a:schemeClr val="accent1"/>
+          </a:effectRef>
+          <a:fontRef idx="minor">
+            <a:schemeClr val="dk1"/>
+          </a:fontRef>
+        </p:style>
+        <p:txBody>
+          <a:bodyPr rtlCol="0" anchor="ctr"/>
+          <a:lstStyle/>
+          <a:p>
+            <a:pPr algn="ctr"/>
+            <a:endParaRPr lang="en-US"/>
+          </a:p>
+        </p:txBody>
+      </p:sp>
+      <p:sp>
+        <p:nvSpPr>
+          <p:cNvPr id="6" name="Oval 5">
+            <a:extLst>
+              <a:ext uri="{FF2B5EF4-FFF2-40B4-BE49-F238E27FC236}">
+                <a16:creationId xmlns:a16="http://schemas.microsoft.com/office/drawing/2014/main" id="{DDC3A6B5-6B7B-43AE-BE84-88586A865E7E}"/>
+              </a:ext>
+            </a:extLst>
+          </p:cNvPr>
+          <p:cNvSpPr/>
+          <p:nvPr/>
+        </p:nvSpPr>
+        <p:spPr>
+          <a:xfrm>
+            <a:off x="8464215" y="5830804"/>
+            <a:ext cx="372979" cy="385011"/>
+          </a:xfrm>
+          <a:prstGeom prst="ellipse">
+            <a:avLst/>
+          </a:prstGeom>
+        </p:spPr>
+        <p:style>
+          <a:lnRef idx="1">
+            <a:schemeClr val="accent1"/>
+          </a:lnRef>
+          <a:fillRef idx="2">
+            <a:schemeClr val="accent1"/>
+          </a:fillRef>
+          <a:effectRef idx="1">
+            <a:schemeClr val="accent1"/>
+          </a:effectRef>
+          <a:fontRef idx="minor">
+            <a:schemeClr val="dk1"/>
+          </a:fontRef>
+        </p:style>
+        <p:txBody>
+          <a:bodyPr rtlCol="0" anchor="ctr"/>
+          <a:lstStyle/>
+          <a:p>
+            <a:pPr algn="ctr"/>
+            <a:endParaRPr lang="en-US"/>
+          </a:p>
+        </p:txBody>
+      </p:sp>
+      <p:sp>
+        <p:nvSpPr>
+          <p:cNvPr id="7" name="Oval 6">
+            <a:extLst>
+              <a:ext uri="{FF2B5EF4-FFF2-40B4-BE49-F238E27FC236}">
+                <a16:creationId xmlns:a16="http://schemas.microsoft.com/office/drawing/2014/main" id="{2B7F390F-3AFD-4830-8672-BF4FFE258D2C}"/>
+              </a:ext>
+            </a:extLst>
+          </p:cNvPr>
+          <p:cNvSpPr/>
+          <p:nvPr/>
+        </p:nvSpPr>
+        <p:spPr>
+          <a:xfrm>
+            <a:off x="7419473" y="5926889"/>
+            <a:ext cx="372979" cy="385011"/>
+          </a:xfrm>
+          <a:prstGeom prst="ellipse">
+            <a:avLst/>
+          </a:prstGeom>
+        </p:spPr>
+        <p:style>
+          <a:lnRef idx="1">
+            <a:schemeClr val="accent1"/>
+          </a:lnRef>
+          <a:fillRef idx="2">
+            <a:schemeClr val="accent1"/>
+          </a:fillRef>
+          <a:effectRef idx="1">
+            <a:schemeClr val="accent1"/>
+          </a:effectRef>
+          <a:fontRef idx="minor">
+            <a:schemeClr val="dk1"/>
+          </a:fontRef>
+        </p:style>
+        <p:txBody>
+          <a:bodyPr rtlCol="0" anchor="ctr"/>
+          <a:lstStyle/>
+          <a:p>
+            <a:pPr algn="ctr"/>
+            <a:endParaRPr lang="en-US"/>
+          </a:p>
+        </p:txBody>
+      </p:sp>
+      <p:sp>
+        <p:nvSpPr>
+          <p:cNvPr id="8" name="Oval 7">
+            <a:extLst>
+              <a:ext uri="{FF2B5EF4-FFF2-40B4-BE49-F238E27FC236}">
+                <a16:creationId xmlns:a16="http://schemas.microsoft.com/office/drawing/2014/main" id="{9E4208D0-0276-4B08-B921-17A3BF903745}"/>
+              </a:ext>
+            </a:extLst>
+          </p:cNvPr>
+          <p:cNvSpPr/>
+          <p:nvPr/>
+        </p:nvSpPr>
+        <p:spPr>
+          <a:xfrm>
+            <a:off x="6710612" y="5042569"/>
+            <a:ext cx="372979" cy="385011"/>
+          </a:xfrm>
+          <a:prstGeom prst="ellipse">
+            <a:avLst/>
+          </a:prstGeom>
+        </p:spPr>
+        <p:style>
+          <a:lnRef idx="1">
+            <a:schemeClr val="accent1"/>
+          </a:lnRef>
+          <a:fillRef idx="2">
+            <a:schemeClr val="accent1"/>
+          </a:fillRef>
+          <a:effectRef idx="1">
+            <a:schemeClr val="accent1"/>
+          </a:effectRef>
+          <a:fontRef idx="minor">
+            <a:schemeClr val="dk1"/>
+          </a:fontRef>
+        </p:style>
+        <p:txBody>
+          <a:bodyPr rtlCol="0" anchor="ctr"/>
+          <a:lstStyle/>
+          <a:p>
+            <a:pPr algn="ctr"/>
+            <a:endParaRPr lang="en-US"/>
+          </a:p>
+        </p:txBody>
+      </p:sp>
+      <p:cxnSp>
+        <p:nvCxnSpPr>
+          <p:cNvPr id="9" name="Straight Arrow Connector 8">
+            <a:extLst>
+              <a:ext uri="{FF2B5EF4-FFF2-40B4-BE49-F238E27FC236}">
+                <a16:creationId xmlns:a16="http://schemas.microsoft.com/office/drawing/2014/main" id="{F861B060-7EFE-438A-A223-B38B3C600097}"/>
+              </a:ext>
+            </a:extLst>
+          </p:cNvPr>
+          <p:cNvCxnSpPr>
+            <a:cxnSpLocks/>
+            <a:stCxn id="5" idx="0"/>
+            <a:endCxn id="4" idx="3"/>
+          </p:cNvCxnSpPr>
+          <p:nvPr/>
+        </p:nvCxnSpPr>
+        <p:spPr>
+          <a:xfrm flipV="1">
+            <a:off x="7978942" y="4369233"/>
+            <a:ext cx="340371" cy="662725"/>
+          </a:xfrm>
+          <a:prstGeom prst="straightConnector1">
+            <a:avLst/>
+          </a:prstGeom>
+          <a:ln>
+            <a:tailEnd type="triangle"/>
+          </a:ln>
+        </p:spPr>
+        <p:style>
+          <a:lnRef idx="3">
+            <a:schemeClr val="accent2"/>
+          </a:lnRef>
+          <a:fillRef idx="0">
+            <a:schemeClr val="accent2"/>
+          </a:fillRef>
+          <a:effectRef idx="2">
+            <a:schemeClr val="accent2"/>
+          </a:effectRef>
+          <a:fontRef idx="minor">
+            <a:schemeClr val="tx1"/>
+          </a:fontRef>
+        </p:style>
+      </p:cxnSp>
+      <p:cxnSp>
+        <p:nvCxnSpPr>
+          <p:cNvPr id="10" name="Straight Arrow Connector 9">
+            <a:extLst>
+              <a:ext uri="{FF2B5EF4-FFF2-40B4-BE49-F238E27FC236}">
+                <a16:creationId xmlns:a16="http://schemas.microsoft.com/office/drawing/2014/main" id="{660D5A50-C5A1-4C06-B092-816FB8A205C6}"/>
+              </a:ext>
+            </a:extLst>
+          </p:cNvPr>
+          <p:cNvCxnSpPr>
+            <a:cxnSpLocks/>
+            <a:stCxn id="5" idx="2"/>
+            <a:endCxn id="8" idx="6"/>
+          </p:cNvCxnSpPr>
+          <p:nvPr/>
+        </p:nvCxnSpPr>
+        <p:spPr>
+          <a:xfrm flipH="1">
+            <a:off x="7083591" y="5224464"/>
+            <a:ext cx="708861" cy="10611"/>
+          </a:xfrm>
+          <a:prstGeom prst="straightConnector1">
+            <a:avLst/>
+          </a:prstGeom>
+          <a:ln>
+            <a:tailEnd type="triangle"/>
+          </a:ln>
+        </p:spPr>
+        <p:style>
+          <a:lnRef idx="3">
+            <a:schemeClr val="accent2"/>
+          </a:lnRef>
+          <a:fillRef idx="0">
+            <a:schemeClr val="accent2"/>
+          </a:fillRef>
+          <a:effectRef idx="2">
+            <a:schemeClr val="accent2"/>
+          </a:effectRef>
+          <a:fontRef idx="minor">
+            <a:schemeClr val="tx1"/>
+          </a:fontRef>
+        </p:style>
+      </p:cxnSp>
+      <p:cxnSp>
+        <p:nvCxnSpPr>
+          <p:cNvPr id="11" name="Straight Arrow Connector 10">
+            <a:extLst>
+              <a:ext uri="{FF2B5EF4-FFF2-40B4-BE49-F238E27FC236}">
+                <a16:creationId xmlns:a16="http://schemas.microsoft.com/office/drawing/2014/main" id="{2989C59F-75AF-4A97-B059-789F26557101}"/>
+              </a:ext>
+            </a:extLst>
+          </p:cNvPr>
+          <p:cNvCxnSpPr>
+            <a:cxnSpLocks/>
+            <a:stCxn id="5" idx="3"/>
+            <a:endCxn id="7" idx="0"/>
+          </p:cNvCxnSpPr>
+          <p:nvPr/>
+        </p:nvCxnSpPr>
+        <p:spPr>
+          <a:xfrm flipH="1">
+            <a:off x="7605963" y="5360585"/>
+            <a:ext cx="241111" cy="566304"/>
+          </a:xfrm>
+          <a:prstGeom prst="straightConnector1">
+            <a:avLst/>
+          </a:prstGeom>
+          <a:ln>
+            <a:tailEnd type="triangle"/>
+          </a:ln>
+        </p:spPr>
+        <p:style>
+          <a:lnRef idx="3">
+            <a:schemeClr val="accent2"/>
+          </a:lnRef>
+          <a:fillRef idx="0">
+            <a:schemeClr val="accent2"/>
+          </a:fillRef>
+          <a:effectRef idx="2">
+            <a:schemeClr val="accent2"/>
+          </a:effectRef>
+          <a:fontRef idx="minor">
+            <a:schemeClr val="tx1"/>
+          </a:fontRef>
+        </p:style>
+      </p:cxnSp>
+      <p:cxnSp>
+        <p:nvCxnSpPr>
+          <p:cNvPr id="12" name="Straight Arrow Connector 11">
+            <a:extLst>
+              <a:ext uri="{FF2B5EF4-FFF2-40B4-BE49-F238E27FC236}">
+                <a16:creationId xmlns:a16="http://schemas.microsoft.com/office/drawing/2014/main" id="{188DE12D-8E85-4FC8-971F-2AC8D9785113}"/>
+              </a:ext>
+            </a:extLst>
+          </p:cNvPr>
+          <p:cNvCxnSpPr>
+            <a:cxnSpLocks/>
+            <a:stCxn id="5" idx="5"/>
+            <a:endCxn id="6" idx="1"/>
+          </p:cNvCxnSpPr>
+          <p:nvPr/>
+        </p:nvCxnSpPr>
+        <p:spPr>
+          <a:xfrm>
+            <a:off x="8110809" y="5360585"/>
+            <a:ext cx="408028" cy="526603"/>
+          </a:xfrm>
+          <a:prstGeom prst="straightConnector1">
+            <a:avLst/>
+          </a:prstGeom>
+          <a:ln>
+            <a:tailEnd type="triangle"/>
+          </a:ln>
+        </p:spPr>
+        <p:style>
+          <a:lnRef idx="3">
+            <a:schemeClr val="accent2"/>
+          </a:lnRef>
+          <a:fillRef idx="0">
+            <a:schemeClr val="accent2"/>
+          </a:fillRef>
+          <a:effectRef idx="2">
+            <a:schemeClr val="accent2"/>
+          </a:effectRef>
+          <a:fontRef idx="minor">
+            <a:schemeClr val="tx1"/>
+          </a:fontRef>
+        </p:style>
+      </p:cxnSp>
+      <p:sp>
+        <p:nvSpPr>
+          <p:cNvPr id="13" name="TextBox 12">
+            <a:extLst>
+              <a:ext uri="{FF2B5EF4-FFF2-40B4-BE49-F238E27FC236}">
+                <a16:creationId xmlns:a16="http://schemas.microsoft.com/office/drawing/2014/main" id="{7FA456D4-6A6C-4FB0-B6D5-BFF8AD271E86}"/>
+              </a:ext>
+            </a:extLst>
+          </p:cNvPr>
+          <p:cNvSpPr txBox="1"/>
+          <p:nvPr/>
+        </p:nvSpPr>
+        <p:spPr>
+          <a:xfrm>
+            <a:off x="8194244" y="5031958"/>
+            <a:ext cx="1121076" cy="369332"/>
+          </a:xfrm>
+          <a:prstGeom prst="rect">
+            <a:avLst/>
+          </a:prstGeom>
+          <a:noFill/>
+          <a:ln>
+            <a:noFill/>
+          </a:ln>
+        </p:spPr>
+        <p:txBody>
+          <a:bodyPr wrap="none" rtlCol="0">
+            <a:spAutoFit/>
+          </a:bodyPr>
+          <a:lstStyle/>
+          <a:p>
+            <a:r>
+              <a:rPr lang="en-US" dirty="0"/>
+              <a:t>forwarder</a:t>
+            </a:r>
+          </a:p>
+        </p:txBody>
+      </p:sp>
+      <p:sp>
+        <p:nvSpPr>
+          <p:cNvPr id="14" name="TextBox 13">
+            <a:extLst>
+              <a:ext uri="{FF2B5EF4-FFF2-40B4-BE49-F238E27FC236}">
+                <a16:creationId xmlns:a16="http://schemas.microsoft.com/office/drawing/2014/main" id="{A1D647D1-F653-4F74-909F-87656C028ADE}"/>
+              </a:ext>
+            </a:extLst>
+          </p:cNvPr>
+          <p:cNvSpPr txBox="1"/>
+          <p:nvPr/>
+        </p:nvSpPr>
+        <p:spPr>
+          <a:xfrm>
+            <a:off x="8650704" y="4013448"/>
+            <a:ext cx="1107867" cy="369332"/>
+          </a:xfrm>
+          <a:prstGeom prst="rect">
+            <a:avLst/>
+          </a:prstGeom>
+          <a:noFill/>
+          <a:ln>
+            <a:noFill/>
+          </a:ln>
+        </p:spPr>
+        <p:txBody>
+          <a:bodyPr wrap="none" rtlCol="0">
+            <a:spAutoFit/>
+          </a:bodyPr>
+          <a:lstStyle/>
+          <a:p>
+            <a:r>
+              <a:rPr lang="en-US" dirty="0"/>
+              <a:t>candidate</a:t>
+            </a:r>
+          </a:p>
+        </p:txBody>
+      </p:sp>
+      <p:sp>
+        <p:nvSpPr>
+          <p:cNvPr id="15" name="TextBox 14">
+            <a:extLst>
+              <a:ext uri="{FF2B5EF4-FFF2-40B4-BE49-F238E27FC236}">
+                <a16:creationId xmlns:a16="http://schemas.microsoft.com/office/drawing/2014/main" id="{7CCDA395-9F26-4F37-9BFC-6B9D3A1210C7}"/>
+              </a:ext>
+            </a:extLst>
+          </p:cNvPr>
+          <p:cNvSpPr txBox="1"/>
+          <p:nvPr/>
+        </p:nvSpPr>
+        <p:spPr>
+          <a:xfrm>
+            <a:off x="8254922" y="4670465"/>
+            <a:ext cx="1503553" cy="369332"/>
+          </a:xfrm>
+          <a:prstGeom prst="rect">
+            <a:avLst/>
+          </a:prstGeom>
+          <a:noFill/>
+          <a:ln>
+            <a:solidFill>
+              <a:schemeClr val="tx1"/>
+            </a:solidFill>
+          </a:ln>
+        </p:spPr>
+        <p:txBody>
+          <a:bodyPr wrap="none" rtlCol="0">
+            <a:spAutoFit/>
+          </a:bodyPr>
+          <a:lstStyle/>
+          <a:p>
+            <a:r>
+              <a:rPr lang="en-US" dirty="0"/>
+              <a:t>Broadcast RTS</a:t>
+            </a:r>
+          </a:p>
+        </p:txBody>
+      </p:sp>
+      <p:sp>
+        <p:nvSpPr>
+          <p:cNvPr id="16" name="TextBox 15">
+            <a:extLst>
+              <a:ext uri="{FF2B5EF4-FFF2-40B4-BE49-F238E27FC236}">
+                <a16:creationId xmlns:a16="http://schemas.microsoft.com/office/drawing/2014/main" id="{78C8973A-056A-4075-9659-8634EFFF0978}"/>
+              </a:ext>
+            </a:extLst>
+          </p:cNvPr>
+          <p:cNvSpPr txBox="1"/>
+          <p:nvPr/>
+        </p:nvSpPr>
+        <p:spPr>
+          <a:xfrm>
+            <a:off x="5858633" y="4063906"/>
+            <a:ext cx="2334870" cy="369332"/>
+          </a:xfrm>
+          <a:prstGeom prst="rect">
+            <a:avLst/>
+          </a:prstGeom>
+          <a:noFill/>
+          <a:ln>
+            <a:solidFill>
+              <a:schemeClr val="tx1"/>
+            </a:solidFill>
+          </a:ln>
+        </p:spPr>
+        <p:txBody>
+          <a:bodyPr wrap="none" rtlCol="0">
+            <a:spAutoFit/>
+          </a:bodyPr>
+          <a:lstStyle/>
+          <a:p>
+            <a:r>
+              <a:rPr lang="en-US" dirty="0"/>
+              <a:t>Planar node will return</a:t>
+            </a:r>
+          </a:p>
+        </p:txBody>
+      </p:sp>
+      <p:cxnSp>
+        <p:nvCxnSpPr>
+          <p:cNvPr id="17" name="Straight Arrow Connector 16">
+            <a:extLst>
+              <a:ext uri="{FF2B5EF4-FFF2-40B4-BE49-F238E27FC236}">
+                <a16:creationId xmlns:a16="http://schemas.microsoft.com/office/drawing/2014/main" id="{FD7E3825-E181-4A31-AEE1-BFD24317F33F}"/>
+              </a:ext>
+            </a:extLst>
+          </p:cNvPr>
+          <p:cNvCxnSpPr>
+            <a:cxnSpLocks/>
+            <a:endCxn id="5" idx="1"/>
+          </p:cNvCxnSpPr>
+          <p:nvPr/>
+        </p:nvCxnSpPr>
+        <p:spPr>
+          <a:xfrm flipH="1">
+            <a:off x="7847074" y="4403825"/>
+            <a:ext cx="375242" cy="684517"/>
+          </a:xfrm>
+          <a:prstGeom prst="straightConnector1">
+            <a:avLst/>
+          </a:prstGeom>
+          <a:ln>
+            <a:tailEnd type="triangle"/>
+          </a:ln>
+        </p:spPr>
+        <p:style>
+          <a:lnRef idx="3">
+            <a:schemeClr val="accent6"/>
+          </a:lnRef>
+          <a:fillRef idx="0">
+            <a:schemeClr val="accent6"/>
+          </a:fillRef>
+          <a:effectRef idx="2">
+            <a:schemeClr val="accent6"/>
+          </a:effectRef>
+          <a:fontRef idx="minor">
+            <a:schemeClr val="tx1"/>
+          </a:fontRef>
+        </p:style>
+      </p:cxnSp>
     </p:spTree>
     <p:extLst>
       <p:ext uri="{BB962C8B-B14F-4D97-AF65-F5344CB8AC3E}">
@@ -4600,7 +5646,9 @@
         </p:nvSpPr>
         <p:spPr/>
         <p:txBody>
-          <a:bodyPr/>
+          <a:bodyPr>
+            <a:normAutofit/>
+          </a:bodyPr>
           <a:lstStyle/>
           <a:p>
             <a:r>
@@ -4614,6 +5662,39 @@
               <a:rPr lang="en-US" dirty="0"/>
               <a:t>Rolling ball</a:t>
             </a:r>
+          </a:p>
+          <a:p>
+            <a:pPr lvl="1"/>
+            <a:r>
+              <a:rPr lang="en-US" dirty="0" err="1"/>
+              <a:t>Reuleaux</a:t>
+            </a:r>
+            <a:r>
+              <a:rPr lang="en-US" dirty="0"/>
+              <a:t> triangle</a:t>
+            </a:r>
+          </a:p>
+          <a:p>
+            <a:pPr lvl="1"/>
+            <a:endParaRPr lang="en-US" dirty="0"/>
+          </a:p>
+          <a:p>
+            <a:pPr lvl="1"/>
+            <a:endParaRPr lang="en-US" dirty="0"/>
+          </a:p>
+          <a:p>
+            <a:pPr lvl="1"/>
+            <a:endParaRPr lang="en-US" dirty="0"/>
+          </a:p>
+          <a:p>
+            <a:pPr lvl="1"/>
+            <a:endParaRPr lang="en-US" dirty="0"/>
+          </a:p>
+          <a:p>
+            <a:pPr marL="457200" lvl="1" indent="0">
+              <a:buNone/>
+            </a:pPr>
+            <a:endParaRPr lang="en-US" dirty="0"/>
           </a:p>
         </p:txBody>
       </p:sp>
@@ -4632,7 +5713,7 @@
           <p:nvPr/>
         </p:nvPicPr>
         <p:blipFill>
-          <a:blip r:embed="rId2">
+          <a:blip r:embed="rId3">
             <a:extLst>
               <a:ext uri="{28A0092B-C50C-407E-A947-70E740481C1C}">
                 <a14:useLocalDpi xmlns:a14="http://schemas.microsoft.com/office/drawing/2010/main" val="0"/>
@@ -4645,7 +5726,7 @@
         </p:blipFill>
         <p:spPr>
           <a:xfrm>
-            <a:off x="2983235" y="2387969"/>
+            <a:off x="3933730" y="2387969"/>
             <a:ext cx="6442097" cy="3226650"/>
           </a:xfrm>
           <a:prstGeom prst="rect">
@@ -4653,6 +5734,44 @@
           </a:prstGeom>
         </p:spPr>
       </p:pic>
+      <p:sp>
+        <p:nvSpPr>
+          <p:cNvPr id="4" name="TextBox 3">
+            <a:extLst>
+              <a:ext uri="{FF2B5EF4-FFF2-40B4-BE49-F238E27FC236}">
+                <a16:creationId xmlns:a16="http://schemas.microsoft.com/office/drawing/2014/main" id="{44516FFC-A758-40EB-9592-00D0C8F355FA}"/>
+              </a:ext>
+            </a:extLst>
+          </p:cNvPr>
+          <p:cNvSpPr txBox="1"/>
+          <p:nvPr/>
+        </p:nvSpPr>
+        <p:spPr>
+          <a:xfrm>
+            <a:off x="601579" y="6211669"/>
+            <a:ext cx="11459227" cy="646331"/>
+          </a:xfrm>
+          <a:prstGeom prst="rect">
+            <a:avLst/>
+          </a:prstGeom>
+          <a:noFill/>
+        </p:spPr>
+        <p:txBody>
+          <a:bodyPr wrap="none" rtlCol="0">
+            <a:spAutoFit/>
+          </a:bodyPr>
+          <a:lstStyle/>
+          <a:p>
+            <a:r>
+              <a:rPr lang="en-US" dirty="0"/>
+              <a:t>“On the shape of a set of points in the plane” - IEEE Transactions on Information Theory, vol. IT-29(4), pp. 551–559, 1983</a:t>
+            </a:r>
+          </a:p>
+          <a:p>
+            <a:endParaRPr lang="en-US" dirty="0"/>
+          </a:p>
+        </p:txBody>
+      </p:sp>
     </p:spTree>
     <p:extLst>
       <p:ext uri="{BB962C8B-B14F-4D97-AF65-F5344CB8AC3E}">
@@ -4688,7 +5807,7 @@
           <p:cNvPr id="2" name="Title 1">
             <a:extLst>
               <a:ext uri="{FF2B5EF4-FFF2-40B4-BE49-F238E27FC236}">
-                <a16:creationId xmlns:a16="http://schemas.microsoft.com/office/drawing/2014/main" id="{2B4CFB3C-0865-444D-B697-B706F488A5C9}"/>
+                <a16:creationId xmlns:a16="http://schemas.microsoft.com/office/drawing/2014/main" id="{C2ABBB2F-ED0B-4297-996C-F707D4B3CC68}"/>
               </a:ext>
             </a:extLst>
           </p:cNvPr>
@@ -4706,7 +5825,7 @@
           <a:p>
             <a:r>
               <a:rPr lang="en-US" dirty="0"/>
-              <a:t>Rotational Sweep Algorithm</a:t>
+              <a:t>Alpha-shape boundary</a:t>
             </a:r>
           </a:p>
         </p:txBody>
@@ -4716,7 +5835,7 @@
           <p:cNvPr id="3" name="Content Placeholder 2">
             <a:extLst>
               <a:ext uri="{FF2B5EF4-FFF2-40B4-BE49-F238E27FC236}">
-                <a16:creationId xmlns:a16="http://schemas.microsoft.com/office/drawing/2014/main" id="{EA0CF4A4-B4AA-47C7-B667-A1BCB17F5A80}"/>
+                <a16:creationId xmlns:a16="http://schemas.microsoft.com/office/drawing/2014/main" id="{109E016B-D2FE-4836-8F54-C06EC2A9A1BF}"/>
               </a:ext>
             </a:extLst>
           </p:cNvPr>
@@ -4734,49 +5853,249 @@
           <a:p>
             <a:r>
               <a:rPr lang="en-US" dirty="0"/>
-              <a:t>Rotational Sweep</a:t>
-            </a:r>
-          </a:p>
-          <a:p>
-            <a:pPr lvl="1"/>
-            <a:r>
-              <a:rPr lang="en-US" dirty="0"/>
-              <a:t>Sweep Circle – like rolling ball</a:t>
-            </a:r>
-          </a:p>
-          <a:p>
-            <a:pPr lvl="1"/>
-            <a:r>
-              <a:rPr lang="en-US" dirty="0"/>
-              <a:t>Twisting triangle</a:t>
-            </a:r>
-          </a:p>
-          <a:p>
-            <a:r>
-              <a:rPr lang="en-US" dirty="0"/>
-              <a:t>Advantages</a:t>
-            </a:r>
-          </a:p>
-          <a:p>
-            <a:pPr lvl="1"/>
-            <a:r>
-              <a:rPr lang="en-US" dirty="0"/>
-              <a:t>Beaconless totally</a:t>
-            </a:r>
-          </a:p>
-          <a:p>
-            <a:pPr lvl="1"/>
-            <a:r>
-              <a:rPr lang="en-US" dirty="0"/>
-              <a:t>Compute alpha-boundary on candidate</a:t>
-            </a:r>
-          </a:p>
-        </p:txBody>
-      </p:sp>
+              <a:t>“Rolling ball” vs TENT Rule</a:t>
+            </a:r>
+          </a:p>
+        </p:txBody>
+      </p:sp>
+      <p:graphicFrame>
+        <p:nvGraphicFramePr>
+          <p:cNvPr id="4" name="Table 3">
+            <a:extLst>
+              <a:ext uri="{FF2B5EF4-FFF2-40B4-BE49-F238E27FC236}">
+                <a16:creationId xmlns:a16="http://schemas.microsoft.com/office/drawing/2014/main" id="{57337185-F62C-40A4-8C00-9B6DE5E0418B}"/>
+              </a:ext>
+            </a:extLst>
+          </p:cNvPr>
+          <p:cNvGraphicFramePr>
+            <a:graphicFrameLocks noGrp="1"/>
+          </p:cNvGraphicFramePr>
+          <p:nvPr>
+            <p:extLst>
+              <p:ext uri="{D42A27DB-BD31-4B8C-83A1-F6EECF244321}">
+                <p14:modId xmlns:p14="http://schemas.microsoft.com/office/powerpoint/2010/main" val="3049056657"/>
+              </p:ext>
+            </p:extLst>
+          </p:nvPr>
+        </p:nvGraphicFramePr>
+        <p:xfrm>
+          <a:off x="1683085" y="2404087"/>
+          <a:ext cx="8128000" cy="1656080"/>
+        </p:xfrm>
+        <a:graphic>
+          <a:graphicData uri="http://schemas.openxmlformats.org/drawingml/2006/table">
+            <a:tbl>
+              <a:tblPr firstRow="1" bandRow="1">
+                <a:tableStyleId>{5C22544A-7EE6-4342-B048-85BDC9FD1C3A}</a:tableStyleId>
+              </a:tblPr>
+              <a:tblGrid>
+                <a:gridCol w="4064000">
+                  <a:extLst>
+                    <a:ext uri="{9D8B030D-6E8A-4147-A177-3AD203B41FA5}">
+                      <a16:colId xmlns:a16="http://schemas.microsoft.com/office/drawing/2014/main" val="847520591"/>
+                    </a:ext>
+                  </a:extLst>
+                </a:gridCol>
+                <a:gridCol w="4064000">
+                  <a:extLst>
+                    <a:ext uri="{9D8B030D-6E8A-4147-A177-3AD203B41FA5}">
+                      <a16:colId xmlns:a16="http://schemas.microsoft.com/office/drawing/2014/main" val="1102527439"/>
+                    </a:ext>
+                  </a:extLst>
+                </a:gridCol>
+              </a:tblGrid>
+              <a:tr h="370840">
+                <a:tc>
+                  <a:txBody>
+                    <a:bodyPr/>
+                    <a:lstStyle/>
+                    <a:p>
+                      <a:pPr algn="ctr"/>
+                      <a:r>
+                        <a:rPr lang="en-US" dirty="0"/>
+                        <a:t>Rolling ball</a:t>
+                      </a:r>
+                    </a:p>
+                  </a:txBody>
+                  <a:tcPr/>
+                </a:tc>
+                <a:tc>
+                  <a:txBody>
+                    <a:bodyPr/>
+                    <a:lstStyle/>
+                    <a:p>
+                      <a:pPr algn="ctr"/>
+                      <a:r>
+                        <a:rPr lang="en-US" dirty="0"/>
+                        <a:t>TENT Rule</a:t>
+                      </a:r>
+                    </a:p>
+                  </a:txBody>
+                  <a:tcPr/>
+                </a:tc>
+                <a:extLst>
+                  <a:ext uri="{0D108BD9-81ED-4DB2-BD59-A6C34878D82A}">
+                    <a16:rowId xmlns:a16="http://schemas.microsoft.com/office/drawing/2014/main" val="2212245431"/>
+                  </a:ext>
+                </a:extLst>
+              </a:tr>
+              <a:tr h="370840">
+                <a:tc gridSpan="2">
+                  <a:txBody>
+                    <a:bodyPr/>
+                    <a:lstStyle/>
+                    <a:p>
+                      <a:pPr marL="0" marR="0" lvl="0" indent="0" algn="l" defTabSz="914400" rtl="0" eaLnBrk="1" fontAlgn="auto" latinLnBrk="0" hangingPunct="1">
+                        <a:lnSpc>
+                          <a:spcPct val="100000"/>
+                        </a:lnSpc>
+                        <a:spcBef>
+                          <a:spcPts val="0"/>
+                        </a:spcBef>
+                        <a:spcAft>
+                          <a:spcPts val="0"/>
+                        </a:spcAft>
+                        <a:buClrTx/>
+                        <a:buSzTx/>
+                        <a:buFontTx/>
+                        <a:buNone/>
+                        <a:tabLst/>
+                        <a:defRPr/>
+                      </a:pPr>
+                      <a:r>
+                        <a:rPr lang="en-US" dirty="0"/>
+                        <a:t>- Target: Find </a:t>
+                      </a:r>
+                      <a:r>
+                        <a:rPr lang="en-US" dirty="0" err="1"/>
+                        <a:t>nexthop</a:t>
+                      </a:r>
+                      <a:r>
+                        <a:rPr lang="en-US" dirty="0"/>
+                        <a:t> by clockwise or counter-clockwise</a:t>
+                      </a:r>
+                    </a:p>
+                  </a:txBody>
+                  <a:tcPr/>
+                </a:tc>
+                <a:tc hMerge="1">
+                  <a:txBody>
+                    <a:bodyPr/>
+                    <a:lstStyle/>
+                    <a:p>
+                      <a:endParaRPr lang="en-US" dirty="0"/>
+                    </a:p>
+                  </a:txBody>
+                  <a:tcPr/>
+                </a:tc>
+                <a:extLst>
+                  <a:ext uri="{0D108BD9-81ED-4DB2-BD59-A6C34878D82A}">
+                    <a16:rowId xmlns:a16="http://schemas.microsoft.com/office/drawing/2014/main" val="4230343902"/>
+                  </a:ext>
+                </a:extLst>
+              </a:tr>
+              <a:tr h="370840">
+                <a:tc>
+                  <a:txBody>
+                    <a:bodyPr/>
+                    <a:lstStyle/>
+                    <a:p>
+                      <a:r>
+                        <a:rPr lang="en-US" dirty="0"/>
+                        <a:t>- </a:t>
+                      </a:r>
+                      <a:r>
+                        <a:rPr lang="en-US" dirty="0" err="1"/>
+                        <a:t>Nexthop</a:t>
+                      </a:r>
+                      <a:r>
+                        <a:rPr lang="en-US" dirty="0"/>
+                        <a:t> is on planar graph</a:t>
+                      </a:r>
+                    </a:p>
+                    <a:p>
+                      <a:r>
+                        <a:rPr lang="en-US" dirty="0"/>
+                        <a:t>- No loop, 1 alpha-shape for each hole</a:t>
+                      </a:r>
+                    </a:p>
+                    <a:p>
+                      <a:endParaRPr lang="en-US" dirty="0"/>
+                    </a:p>
+                  </a:txBody>
+                  <a:tcPr/>
+                </a:tc>
+                <a:tc>
+                  <a:txBody>
+                    <a:bodyPr/>
+                    <a:lstStyle/>
+                    <a:p>
+                      <a:pPr marL="0" marR="0" lvl="0" indent="0" algn="l" defTabSz="914400" rtl="0" eaLnBrk="1" fontAlgn="auto" latinLnBrk="0" hangingPunct="1">
+                        <a:lnSpc>
+                          <a:spcPct val="100000"/>
+                        </a:lnSpc>
+                        <a:spcBef>
+                          <a:spcPts val="0"/>
+                        </a:spcBef>
+                        <a:spcAft>
+                          <a:spcPts val="0"/>
+                        </a:spcAft>
+                        <a:buClrTx/>
+                        <a:buSzTx/>
+                        <a:buFontTx/>
+                        <a:buNone/>
+                        <a:tabLst/>
+                        <a:defRPr/>
+                      </a:pPr>
+                      <a:r>
+                        <a:rPr lang="en-US" dirty="0"/>
+                        <a:t>- </a:t>
+                      </a:r>
+                      <a:r>
+                        <a:rPr lang="en-US" dirty="0" err="1"/>
+                        <a:t>Nexthop</a:t>
+                      </a:r>
+                      <a:r>
+                        <a:rPr lang="en-US" dirty="0"/>
+                        <a:t> maybe not on planar graph</a:t>
+                      </a:r>
+                    </a:p>
+                    <a:p>
+                      <a:r>
+                        <a:rPr lang="en-US" dirty="0"/>
+                        <a:t>- Maybe loop, maybe </a:t>
+                      </a:r>
+                      <a:r>
+                        <a:rPr lang="en-US" dirty="0" err="1"/>
+                        <a:t>existe</a:t>
+                      </a:r>
+                      <a:r>
+                        <a:rPr lang="en-US" dirty="0"/>
+                        <a:t> many </a:t>
+                      </a:r>
+                      <a:r>
+                        <a:rPr lang="en-US" dirty="0" err="1"/>
+                        <a:t>boundhole</a:t>
+                      </a:r>
+                      <a:endParaRPr lang="en-US" dirty="0"/>
+                    </a:p>
+                  </a:txBody>
+                  <a:tcPr/>
+                </a:tc>
+                <a:extLst>
+                  <a:ext uri="{0D108BD9-81ED-4DB2-BD59-A6C34878D82A}">
+                    <a16:rowId xmlns:a16="http://schemas.microsoft.com/office/drawing/2014/main" val="841163269"/>
+                  </a:ext>
+                </a:extLst>
+              </a:tr>
+            </a:tbl>
+          </a:graphicData>
+        </a:graphic>
+      </p:graphicFrame>
     </p:spTree>
     <p:extLst>
       <p:ext uri="{BB962C8B-B14F-4D97-AF65-F5344CB8AC3E}">
-        <p14:creationId xmlns:p14="http://schemas.microsoft.com/office/powerpoint/2010/main" val="2612409579"/>
+        <p14:creationId xmlns:p14="http://schemas.microsoft.com/office/powerpoint/2010/main" val="1328125317"/>
       </p:ext>
     </p:extLst>
   </p:cSld>
@@ -4808,7 +6127,7 @@
           <p:cNvPr id="2" name="Title 1">
             <a:extLst>
               <a:ext uri="{FF2B5EF4-FFF2-40B4-BE49-F238E27FC236}">
-                <a16:creationId xmlns:a16="http://schemas.microsoft.com/office/drawing/2014/main" id="{F6DE44D4-2FDB-42DF-A74F-3C9FBBE4710B}"/>
+                <a16:creationId xmlns:a16="http://schemas.microsoft.com/office/drawing/2014/main" id="{2B4CFB3C-0865-444D-B697-B706F488A5C9}"/>
               </a:ext>
             </a:extLst>
           </p:cNvPr>
@@ -4836,7 +6155,7 @@
           <p:cNvPr id="3" name="Content Placeholder 2">
             <a:extLst>
               <a:ext uri="{FF2B5EF4-FFF2-40B4-BE49-F238E27FC236}">
-                <a16:creationId xmlns:a16="http://schemas.microsoft.com/office/drawing/2014/main" id="{96C1663C-86E2-4149-A8EB-071A949E27B1}"/>
+                <a16:creationId xmlns:a16="http://schemas.microsoft.com/office/drawing/2014/main" id="{EA0CF4A4-B4AA-47C7-B667-A1BCB17F5A80}"/>
               </a:ext>
             </a:extLst>
           </p:cNvPr>
@@ -4854,14 +6173,71 @@
           <a:p>
             <a:r>
               <a:rPr lang="en-US" dirty="0"/>
-              <a:t>Sweep Circle</a:t>
+              <a:t>“Optimizing Communication Overhead while Reducing Path Length in Beaconless </a:t>
+            </a:r>
+            <a:r>
+              <a:rPr lang="en-US" dirty="0" err="1"/>
+              <a:t>Georouting</a:t>
+            </a:r>
+            <a:r>
+              <a:rPr lang="en-US" dirty="0"/>
+              <a:t> with Guaranteed Delivery for Wireless Sensor Networks” - Stefan </a:t>
+            </a:r>
+            <a:r>
+              <a:rPr lang="en-US" dirty="0" err="1"/>
+              <a:t>Ruehrup</a:t>
+            </a:r>
+            <a:r>
+              <a:rPr lang="en-US" dirty="0"/>
+              <a:t> and Ivan </a:t>
+            </a:r>
+            <a:r>
+              <a:rPr lang="en-US" dirty="0" err="1"/>
+              <a:t>Stojmenovic</a:t>
+            </a:r>
+            <a:r>
+              <a:rPr lang="en-US" dirty="0"/>
+              <a:t> - 2012 IEEE</a:t>
+            </a:r>
+          </a:p>
+          <a:p>
+            <a:r>
+              <a:rPr lang="en-US" dirty="0"/>
+              <a:t>Rotational Sweep</a:t>
             </a:r>
           </a:p>
           <a:p>
             <a:pPr lvl="1"/>
             <a:r>
               <a:rPr lang="en-US" dirty="0"/>
-              <a:t>Delay function</a:t>
+              <a:t>Sweep Circle – like rolling ball</a:t>
+            </a:r>
+          </a:p>
+          <a:p>
+            <a:pPr lvl="1"/>
+            <a:r>
+              <a:rPr lang="en-US" dirty="0"/>
+              <a:t>Twisting triangle</a:t>
+            </a:r>
+          </a:p>
+          <a:p>
+            <a:r>
+              <a:rPr lang="en-US" dirty="0"/>
+              <a:t>Advantages</a:t>
+            </a:r>
+          </a:p>
+          <a:p>
+            <a:pPr lvl="1"/>
+            <a:r>
+              <a:rPr lang="en-US" dirty="0"/>
+              <a:t>Beaconless totally</a:t>
+            </a:r>
+          </a:p>
+          <a:p>
+            <a:pPr lvl="1"/>
+            <a:r>
+              <a:rPr lang="en-US" dirty="0"/>
+              <a:t>Compute alpha-boundary on candidate</a:t>
             </a:r>
           </a:p>
         </p:txBody>
@@ -4871,7 +6247,7 @@
           <p:cNvPr id="5" name="Picture 4">
             <a:extLst>
               <a:ext uri="{FF2B5EF4-FFF2-40B4-BE49-F238E27FC236}">
-                <a16:creationId xmlns:a16="http://schemas.microsoft.com/office/drawing/2014/main" id="{DEBD59C6-1314-4FE7-B271-72BEF4714A9C}"/>
+                <a16:creationId xmlns:a16="http://schemas.microsoft.com/office/drawing/2014/main" id="{5EF0ED70-A834-4C36-AD19-EB3D0697DA44}"/>
               </a:ext>
             </a:extLst>
           </p:cNvPr>
@@ -4894,44 +6270,8 @@
         </p:blipFill>
         <p:spPr>
           <a:xfrm>
-            <a:off x="1223109" y="3032706"/>
-            <a:ext cx="4872891" cy="1021936"/>
-          </a:xfrm>
-          <a:prstGeom prst="rect">
-            <a:avLst/>
-          </a:prstGeom>
-        </p:spPr>
-      </p:pic>
-      <p:pic>
-        <p:nvPicPr>
-          <p:cNvPr id="7" name="Picture 6">
-            <a:extLst>
-              <a:ext uri="{FF2B5EF4-FFF2-40B4-BE49-F238E27FC236}">
-                <a16:creationId xmlns:a16="http://schemas.microsoft.com/office/drawing/2014/main" id="{3D77251E-DCA4-4C60-BDCA-E031E3D44CBA}"/>
-              </a:ext>
-            </a:extLst>
-          </p:cNvPr>
-          <p:cNvPicPr>
-            <a:picLocks noChangeAspect="1"/>
-          </p:cNvPicPr>
-          <p:nvPr/>
-        </p:nvPicPr>
-        <p:blipFill>
-          <a:blip r:embed="rId3">
-            <a:extLst>
-              <a:ext uri="{28A0092B-C50C-407E-A947-70E740481C1C}">
-                <a14:useLocalDpi xmlns:a14="http://schemas.microsoft.com/office/drawing/2010/main" val="0"/>
-              </a:ext>
-            </a:extLst>
-          </a:blip>
-          <a:stretch>
-            <a:fillRect/>
-          </a:stretch>
-        </p:blipFill>
-        <p:spPr>
-          <a:xfrm>
-            <a:off x="6306197" y="2538127"/>
-            <a:ext cx="5085716" cy="2081999"/>
+            <a:off x="6180221" y="3291787"/>
+            <a:ext cx="5257800" cy="1903055"/>
           </a:xfrm>
           <a:prstGeom prst="rect">
             <a:avLst/>
@@ -4941,7 +6281,7 @@
     </p:spTree>
     <p:extLst>
       <p:ext uri="{BB962C8B-B14F-4D97-AF65-F5344CB8AC3E}">
-        <p14:creationId xmlns:p14="http://schemas.microsoft.com/office/powerpoint/2010/main" val="2971585180"/>
+        <p14:creationId xmlns:p14="http://schemas.microsoft.com/office/powerpoint/2010/main" val="2612409579"/>
       </p:ext>
     </p:extLst>
   </p:cSld>
@@ -4973,6 +6313,171 @@
           <p:cNvPr id="2" name="Title 1">
             <a:extLst>
               <a:ext uri="{FF2B5EF4-FFF2-40B4-BE49-F238E27FC236}">
+                <a16:creationId xmlns:a16="http://schemas.microsoft.com/office/drawing/2014/main" id="{F6DE44D4-2FDB-42DF-A74F-3C9FBBE4710B}"/>
+              </a:ext>
+            </a:extLst>
+          </p:cNvPr>
+          <p:cNvSpPr>
+            <a:spLocks noGrp="1"/>
+          </p:cNvSpPr>
+          <p:nvPr>
+            <p:ph type="title"/>
+          </p:nvPr>
+        </p:nvSpPr>
+        <p:spPr/>
+        <p:txBody>
+          <a:bodyPr/>
+          <a:lstStyle/>
+          <a:p>
+            <a:r>
+              <a:rPr lang="en-US" dirty="0"/>
+              <a:t>Rotational Sweep Algorithm</a:t>
+            </a:r>
+          </a:p>
+        </p:txBody>
+      </p:sp>
+      <p:sp>
+        <p:nvSpPr>
+          <p:cNvPr id="3" name="Content Placeholder 2">
+            <a:extLst>
+              <a:ext uri="{FF2B5EF4-FFF2-40B4-BE49-F238E27FC236}">
+                <a16:creationId xmlns:a16="http://schemas.microsoft.com/office/drawing/2014/main" id="{96C1663C-86E2-4149-A8EB-071A949E27B1}"/>
+              </a:ext>
+            </a:extLst>
+          </p:cNvPr>
+          <p:cNvSpPr>
+            <a:spLocks noGrp="1"/>
+          </p:cNvSpPr>
+          <p:nvPr>
+            <p:ph idx="1"/>
+          </p:nvPr>
+        </p:nvSpPr>
+        <p:spPr/>
+        <p:txBody>
+          <a:bodyPr/>
+          <a:lstStyle/>
+          <a:p>
+            <a:r>
+              <a:rPr lang="en-US" dirty="0"/>
+              <a:t>Sweep Circle</a:t>
+            </a:r>
+          </a:p>
+          <a:p>
+            <a:pPr lvl="1"/>
+            <a:r>
+              <a:rPr lang="en-US" dirty="0"/>
+              <a:t>Delay function</a:t>
+            </a:r>
+          </a:p>
+        </p:txBody>
+      </p:sp>
+      <p:pic>
+        <p:nvPicPr>
+          <p:cNvPr id="5" name="Picture 4">
+            <a:extLst>
+              <a:ext uri="{FF2B5EF4-FFF2-40B4-BE49-F238E27FC236}">
+                <a16:creationId xmlns:a16="http://schemas.microsoft.com/office/drawing/2014/main" id="{DEBD59C6-1314-4FE7-B271-72BEF4714A9C}"/>
+              </a:ext>
+            </a:extLst>
+          </p:cNvPr>
+          <p:cNvPicPr>
+            <a:picLocks noChangeAspect="1"/>
+          </p:cNvPicPr>
+          <p:nvPr/>
+        </p:nvPicPr>
+        <p:blipFill>
+          <a:blip r:embed="rId2">
+            <a:extLst>
+              <a:ext uri="{28A0092B-C50C-407E-A947-70E740481C1C}">
+                <a14:useLocalDpi xmlns:a14="http://schemas.microsoft.com/office/drawing/2010/main" val="0"/>
+              </a:ext>
+            </a:extLst>
+          </a:blip>
+          <a:stretch>
+            <a:fillRect/>
+          </a:stretch>
+        </p:blipFill>
+        <p:spPr>
+          <a:xfrm>
+            <a:off x="1223109" y="3032706"/>
+            <a:ext cx="4872891" cy="1021936"/>
+          </a:xfrm>
+          <a:prstGeom prst="rect">
+            <a:avLst/>
+          </a:prstGeom>
+        </p:spPr>
+      </p:pic>
+      <p:pic>
+        <p:nvPicPr>
+          <p:cNvPr id="7" name="Picture 6">
+            <a:extLst>
+              <a:ext uri="{FF2B5EF4-FFF2-40B4-BE49-F238E27FC236}">
+                <a16:creationId xmlns:a16="http://schemas.microsoft.com/office/drawing/2014/main" id="{3D77251E-DCA4-4C60-BDCA-E031E3D44CBA}"/>
+              </a:ext>
+            </a:extLst>
+          </p:cNvPr>
+          <p:cNvPicPr>
+            <a:picLocks noChangeAspect="1"/>
+          </p:cNvPicPr>
+          <p:nvPr/>
+        </p:nvPicPr>
+        <p:blipFill>
+          <a:blip r:embed="rId3">
+            <a:extLst>
+              <a:ext uri="{28A0092B-C50C-407E-A947-70E740481C1C}">
+                <a14:useLocalDpi xmlns:a14="http://schemas.microsoft.com/office/drawing/2010/main" val="0"/>
+              </a:ext>
+            </a:extLst>
+          </a:blip>
+          <a:stretch>
+            <a:fillRect/>
+          </a:stretch>
+        </p:blipFill>
+        <p:spPr>
+          <a:xfrm>
+            <a:off x="6306197" y="2538127"/>
+            <a:ext cx="5085716" cy="2081999"/>
+          </a:xfrm>
+          <a:prstGeom prst="rect">
+            <a:avLst/>
+          </a:prstGeom>
+        </p:spPr>
+      </p:pic>
+    </p:spTree>
+    <p:extLst>
+      <p:ext uri="{BB962C8B-B14F-4D97-AF65-F5344CB8AC3E}">
+        <p14:creationId xmlns:p14="http://schemas.microsoft.com/office/powerpoint/2010/main" val="2971585180"/>
+      </p:ext>
+    </p:extLst>
+  </p:cSld>
+  <p:clrMapOvr>
+    <a:masterClrMapping/>
+  </p:clrMapOvr>
+</p:sld>
+</file>
+
+<file path=ppt/slides/slide16.xml><?xml version="1.0" encoding="utf-8"?>
+<p:sld xmlns:a="http://schemas.openxmlformats.org/drawingml/2006/main" xmlns:r="http://schemas.openxmlformats.org/officeDocument/2006/relationships" xmlns:p="http://schemas.openxmlformats.org/presentationml/2006/main">
+  <p:cSld>
+    <p:spTree>
+      <p:nvGrpSpPr>
+        <p:cNvPr id="1" name=""/>
+        <p:cNvGrpSpPr/>
+        <p:nvPr/>
+      </p:nvGrpSpPr>
+      <p:grpSpPr>
+        <a:xfrm>
+          <a:off x="0" y="0"/>
+          <a:ext cx="0" cy="0"/>
+          <a:chOff x="0" y="0"/>
+          <a:chExt cx="0" cy="0"/>
+        </a:xfrm>
+      </p:grpSpPr>
+      <p:sp>
+        <p:nvSpPr>
+          <p:cNvPr id="2" name="Title 1">
+            <a:extLst>
+              <a:ext uri="{FF2B5EF4-FFF2-40B4-BE49-F238E27FC236}">
                 <a16:creationId xmlns:a16="http://schemas.microsoft.com/office/drawing/2014/main" id="{5BE1F4B1-6750-45C8-91E4-087E8DBCC696}"/>
               </a:ext>
             </a:extLst>
@@ -5071,7 +6576,7 @@
 </p:sld>
 </file>
 
-<file path=ppt/slides/slide16.xml><?xml version="1.0" encoding="utf-8"?>
+<file path=ppt/slides/slide17.xml><?xml version="1.0" encoding="utf-8"?>
 <p:sld xmlns:a="http://schemas.openxmlformats.org/drawingml/2006/main" xmlns:r="http://schemas.openxmlformats.org/officeDocument/2006/relationships" xmlns:p="http://schemas.openxmlformats.org/presentationml/2006/main">
   <p:cSld>
     <p:spTree>
@@ -9426,4 +10931,299 @@
     </a:ext>
   </a:extLst>
 </a:theme>
+</file>
+
+<file path=ppt/theme/theme2.xml><?xml version="1.0" encoding="utf-8"?>
+<a:theme xmlns:a="http://schemas.openxmlformats.org/drawingml/2006/main" name="Office Theme">
+  <a:themeElements>
+    <a:clrScheme name="Office">
+      <a:dk1>
+        <a:sysClr val="windowText" lastClr="000000"/>
+      </a:dk1>
+      <a:lt1>
+        <a:sysClr val="window" lastClr="FFFFFF"/>
+      </a:lt1>
+      <a:dk2>
+        <a:srgbClr val="44546A"/>
+      </a:dk2>
+      <a:lt2>
+        <a:srgbClr val="E7E6E6"/>
+      </a:lt2>
+      <a:accent1>
+        <a:srgbClr val="4472C4"/>
+      </a:accent1>
+      <a:accent2>
+        <a:srgbClr val="ED7D31"/>
+      </a:accent2>
+      <a:accent3>
+        <a:srgbClr val="A5A5A5"/>
+      </a:accent3>
+      <a:accent4>
+        <a:srgbClr val="FFC000"/>
+      </a:accent4>
+      <a:accent5>
+        <a:srgbClr val="5B9BD5"/>
+      </a:accent5>
+      <a:accent6>
+        <a:srgbClr val="70AD47"/>
+      </a:accent6>
+      <a:hlink>
+        <a:srgbClr val="0563C1"/>
+      </a:hlink>
+      <a:folHlink>
+        <a:srgbClr val="954F72"/>
+      </a:folHlink>
+    </a:clrScheme>
+    <a:fontScheme name="Office">
+      <a:majorFont>
+        <a:latin typeface="Calibri Light" panose="020F0302020204030204"/>
+        <a:ea typeface=""/>
+        <a:cs typeface=""/>
+        <a:font script="Jpan" typeface="游ゴシック Light"/>
+        <a:font script="Hang" typeface="맑은 고딕"/>
+        <a:font script="Hans" typeface="等线 Light"/>
+        <a:font script="Hant" typeface="新細明體"/>
+        <a:font script="Arab" typeface="Times New Roman"/>
+        <a:font script="Hebr" typeface="Times New Roman"/>
+        <a:font script="Thai" typeface="Angsana New"/>
+        <a:font script="Ethi" typeface="Nyala"/>
+        <a:font script="Beng" typeface="Vrinda"/>
+        <a:font script="Gujr" typeface="Shruti"/>
+        <a:font script="Khmr" typeface="MoolBoran"/>
+        <a:font script="Knda" typeface="Tunga"/>
+        <a:font script="Guru" typeface="Raavi"/>
+        <a:font script="Cans" typeface="Euphemia"/>
+        <a:font script="Cher" typeface="Plantagenet Cherokee"/>
+        <a:font script="Yiii" typeface="Microsoft Yi Baiti"/>
+        <a:font script="Tibt" typeface="Microsoft Himalaya"/>
+        <a:font script="Thaa" typeface="MV Boli"/>
+        <a:font script="Deva" typeface="Mangal"/>
+        <a:font script="Telu" typeface="Gautami"/>
+        <a:font script="Taml" typeface="Latha"/>
+        <a:font script="Syrc" typeface="Estrangelo Edessa"/>
+        <a:font script="Orya" typeface="Kalinga"/>
+        <a:font script="Mlym" typeface="Kartika"/>
+        <a:font script="Laoo" typeface="DokChampa"/>
+        <a:font script="Sinh" typeface="Iskoola Pota"/>
+        <a:font script="Mong" typeface="Mongolian Baiti"/>
+        <a:font script="Viet" typeface="Times New Roman"/>
+        <a:font script="Uigh" typeface="Microsoft Uighur"/>
+        <a:font script="Geor" typeface="Sylfaen"/>
+        <a:font script="Armn" typeface="Arial"/>
+        <a:font script="Bugi" typeface="Leelawadee UI"/>
+        <a:font script="Bopo" typeface="Microsoft JhengHei"/>
+        <a:font script="Java" typeface="Javanese Text"/>
+        <a:font script="Lisu" typeface="Segoe UI"/>
+        <a:font script="Mymr" typeface="Myanmar Text"/>
+        <a:font script="Nkoo" typeface="Ebrima"/>
+        <a:font script="Olck" typeface="Nirmala UI"/>
+        <a:font script="Osma" typeface="Ebrima"/>
+        <a:font script="Phag" typeface="Phagspa"/>
+        <a:font script="Syrn" typeface="Estrangelo Edessa"/>
+        <a:font script="Syrj" typeface="Estrangelo Edessa"/>
+        <a:font script="Syre" typeface="Estrangelo Edessa"/>
+        <a:font script="Sora" typeface="Nirmala UI"/>
+        <a:font script="Tale" typeface="Microsoft Tai Le"/>
+        <a:font script="Talu" typeface="Microsoft New Tai Lue"/>
+        <a:font script="Tfng" typeface="Ebrima"/>
+      </a:majorFont>
+      <a:minorFont>
+        <a:latin typeface="Calibri" panose="020F0502020204030204"/>
+        <a:ea typeface=""/>
+        <a:cs typeface=""/>
+        <a:font script="Jpan" typeface="游ゴシック"/>
+        <a:font script="Hang" typeface="맑은 고딕"/>
+        <a:font script="Hans" typeface="等线"/>
+        <a:font script="Hant" typeface="新細明體"/>
+        <a:font script="Arab" typeface="Arial"/>
+        <a:font script="Hebr" typeface="Arial"/>
+        <a:font script="Thai" typeface="Cordia New"/>
+        <a:font script="Ethi" typeface="Nyala"/>
+        <a:font script="Beng" typeface="Vrinda"/>
+        <a:font script="Gujr" typeface="Shruti"/>
+        <a:font script="Khmr" typeface="DaunPenh"/>
+        <a:font script="Knda" typeface="Tunga"/>
+        <a:font script="Guru" typeface="Raavi"/>
+        <a:font script="Cans" typeface="Euphemia"/>
+        <a:font script="Cher" typeface="Plantagenet Cherokee"/>
+        <a:font script="Yiii" typeface="Microsoft Yi Baiti"/>
+        <a:font script="Tibt" typeface="Microsoft Himalaya"/>
+        <a:font script="Thaa" typeface="MV Boli"/>
+        <a:font script="Deva" typeface="Mangal"/>
+        <a:font script="Telu" typeface="Gautami"/>
+        <a:font script="Taml" typeface="Latha"/>
+        <a:font script="Syrc" typeface="Estrangelo Edessa"/>
+        <a:font script="Orya" typeface="Kalinga"/>
+        <a:font script="Mlym" typeface="Kartika"/>
+        <a:font script="Laoo" typeface="DokChampa"/>
+        <a:font script="Sinh" typeface="Iskoola Pota"/>
+        <a:font script="Mong" typeface="Mongolian Baiti"/>
+        <a:font script="Viet" typeface="Arial"/>
+        <a:font script="Uigh" typeface="Microsoft Uighur"/>
+        <a:font script="Geor" typeface="Sylfaen"/>
+        <a:font script="Armn" typeface="Arial"/>
+        <a:font script="Bugi" typeface="Leelawadee UI"/>
+        <a:font script="Bopo" typeface="Microsoft JhengHei"/>
+        <a:font script="Java" typeface="Javanese Text"/>
+        <a:font script="Lisu" typeface="Segoe UI"/>
+        <a:font script="Mymr" typeface="Myanmar Text"/>
+        <a:font script="Nkoo" typeface="Ebrima"/>
+        <a:font script="Olck" typeface="Nirmala UI"/>
+        <a:font script="Osma" typeface="Ebrima"/>
+        <a:font script="Phag" typeface="Phagspa"/>
+        <a:font script="Syrn" typeface="Estrangelo Edessa"/>
+        <a:font script="Syrj" typeface="Estrangelo Edessa"/>
+        <a:font script="Syre" typeface="Estrangelo Edessa"/>
+        <a:font script="Sora" typeface="Nirmala UI"/>
+        <a:font script="Tale" typeface="Microsoft Tai Le"/>
+        <a:font script="Talu" typeface="Microsoft New Tai Lue"/>
+        <a:font script="Tfng" typeface="Ebrima"/>
+      </a:minorFont>
+    </a:fontScheme>
+    <a:fmtScheme name="Office">
+      <a:fillStyleLst>
+        <a:solidFill>
+          <a:schemeClr val="phClr"/>
+        </a:solidFill>
+        <a:gradFill rotWithShape="1">
+          <a:gsLst>
+            <a:gs pos="0">
+              <a:schemeClr val="phClr">
+                <a:lumMod val="110000"/>
+                <a:satMod val="105000"/>
+                <a:tint val="67000"/>
+              </a:schemeClr>
+            </a:gs>
+            <a:gs pos="50000">
+              <a:schemeClr val="phClr">
+                <a:lumMod val="105000"/>
+                <a:satMod val="103000"/>
+                <a:tint val="73000"/>
+              </a:schemeClr>
+            </a:gs>
+            <a:gs pos="100000">
+              <a:schemeClr val="phClr">
+                <a:lumMod val="105000"/>
+                <a:satMod val="109000"/>
+                <a:tint val="81000"/>
+              </a:schemeClr>
+            </a:gs>
+          </a:gsLst>
+          <a:lin ang="5400000" scaled="0"/>
+        </a:gradFill>
+        <a:gradFill rotWithShape="1">
+          <a:gsLst>
+            <a:gs pos="0">
+              <a:schemeClr val="phClr">
+                <a:satMod val="103000"/>
+                <a:lumMod val="102000"/>
+                <a:tint val="94000"/>
+              </a:schemeClr>
+            </a:gs>
+            <a:gs pos="50000">
+              <a:schemeClr val="phClr">
+                <a:satMod val="110000"/>
+                <a:lumMod val="100000"/>
+                <a:shade val="100000"/>
+              </a:schemeClr>
+            </a:gs>
+            <a:gs pos="100000">
+              <a:schemeClr val="phClr">
+                <a:lumMod val="99000"/>
+                <a:satMod val="120000"/>
+                <a:shade val="78000"/>
+              </a:schemeClr>
+            </a:gs>
+          </a:gsLst>
+          <a:lin ang="5400000" scaled="0"/>
+        </a:gradFill>
+      </a:fillStyleLst>
+      <a:lnStyleLst>
+        <a:ln w="6350" cap="flat" cmpd="sng" algn="ctr">
+          <a:solidFill>
+            <a:schemeClr val="phClr"/>
+          </a:solidFill>
+          <a:prstDash val="solid"/>
+          <a:miter lim="800000"/>
+        </a:ln>
+        <a:ln w="12700" cap="flat" cmpd="sng" algn="ctr">
+          <a:solidFill>
+            <a:schemeClr val="phClr"/>
+          </a:solidFill>
+          <a:prstDash val="solid"/>
+          <a:miter lim="800000"/>
+        </a:ln>
+        <a:ln w="19050" cap="flat" cmpd="sng" algn="ctr">
+          <a:solidFill>
+            <a:schemeClr val="phClr"/>
+          </a:solidFill>
+          <a:prstDash val="solid"/>
+          <a:miter lim="800000"/>
+        </a:ln>
+      </a:lnStyleLst>
+      <a:effectStyleLst>
+        <a:effectStyle>
+          <a:effectLst/>
+        </a:effectStyle>
+        <a:effectStyle>
+          <a:effectLst/>
+        </a:effectStyle>
+        <a:effectStyle>
+          <a:effectLst>
+            <a:outerShdw blurRad="57150" dist="19050" dir="5400000" algn="ctr" rotWithShape="0">
+              <a:srgbClr val="000000">
+                <a:alpha val="63000"/>
+              </a:srgbClr>
+            </a:outerShdw>
+          </a:effectLst>
+        </a:effectStyle>
+      </a:effectStyleLst>
+      <a:bgFillStyleLst>
+        <a:solidFill>
+          <a:schemeClr val="phClr"/>
+        </a:solidFill>
+        <a:solidFill>
+          <a:schemeClr val="phClr">
+            <a:tint val="95000"/>
+            <a:satMod val="170000"/>
+          </a:schemeClr>
+        </a:solidFill>
+        <a:gradFill rotWithShape="1">
+          <a:gsLst>
+            <a:gs pos="0">
+              <a:schemeClr val="phClr">
+                <a:tint val="93000"/>
+                <a:satMod val="150000"/>
+                <a:shade val="98000"/>
+                <a:lumMod val="102000"/>
+              </a:schemeClr>
+            </a:gs>
+            <a:gs pos="50000">
+              <a:schemeClr val="phClr">
+                <a:tint val="98000"/>
+                <a:satMod val="130000"/>
+                <a:shade val="90000"/>
+                <a:lumMod val="103000"/>
+              </a:schemeClr>
+            </a:gs>
+            <a:gs pos="100000">
+              <a:schemeClr val="phClr">
+                <a:shade val="63000"/>
+                <a:satMod val="120000"/>
+              </a:schemeClr>
+            </a:gs>
+          </a:gsLst>
+          <a:lin ang="5400000" scaled="0"/>
+        </a:gradFill>
+      </a:bgFillStyleLst>
+    </a:fmtScheme>
+  </a:themeElements>
+  <a:objectDefaults/>
+  <a:extraClrSchemeLst/>
+  <a:extLst>
+    <a:ext uri="{05A4C25C-085E-4340-85A3-A5531E510DB2}">
+      <thm15:themeFamily xmlns:thm15="http://schemas.microsoft.com/office/thememl/2012/main" name="Office Theme" id="{62F939B6-93AF-4DB8-9C6B-D6C7DFDC589F}" vid="{4A3C46E8-61CC-4603-A589-7422A47A8E4A}"/>
+    </a:ext>
+  </a:extLst>
+</a:theme>
 </file>